--- a/Три в ряд.pptx
+++ b/Три в ряд.pptx
@@ -20,8 +20,8 @@
     <p:sldId id="301" r:id="rId8"/>
     <p:sldId id="299" r:id="rId9"/>
     <p:sldId id="296" r:id="rId10"/>
-    <p:sldId id="294" r:id="rId11"/>
-    <p:sldId id="300" r:id="rId12"/>
+    <p:sldId id="300" r:id="rId11"/>
+    <p:sldId id="294" r:id="rId12"/>
     <p:sldId id="302" r:id="rId13"/>
   </p:sldIdLst>
   <p:sldSz cx="12192000" cy="6858000"/>
@@ -363,7 +363,7 @@
           <a:p>
             <a:fld id="{4B8AA0D6-3DB1-4639-9734-75B3ACB9066C}" type="datetime1">
               <a:rPr lang="ru-RU" smtClean="0"/>
-              <a:t>01.02.2024</a:t>
+              <a:t>05.02.2024</a:t>
             </a:fld>
             <a:endParaRPr lang="ru-RU"/>
           </a:p>
@@ -24137,131 +24137,6 @@
           <a:chExt cx="0" cy="0"/>
         </a:xfrm>
       </p:grpSpPr>
-      <p:pic>
-        <p:nvPicPr>
-          <p:cNvPr id="5" name="Рисунок 4">
-            <a:extLst>
-              <a:ext uri="{FF2B5EF4-FFF2-40B4-BE49-F238E27FC236}">
-                <a16:creationId xmlns:a16="http://schemas.microsoft.com/office/drawing/2014/main" id="{0BBFFC52-201A-C65E-BBA1-6EC0388F3F26}"/>
-              </a:ext>
-            </a:extLst>
-          </p:cNvPr>
-          <p:cNvPicPr>
-            <a:picLocks noChangeAspect="1"/>
-          </p:cNvPicPr>
-          <p:nvPr/>
-        </p:nvPicPr>
-        <p:blipFill>
-          <a:blip r:embed="rId2"/>
-          <a:stretch>
-            <a:fillRect/>
-          </a:stretch>
-        </p:blipFill>
-        <p:spPr>
-          <a:xfrm>
-            <a:off x="782204" y="890587"/>
-            <a:ext cx="4972050" cy="5686425"/>
-          </a:xfrm>
-          <a:prstGeom prst="rect">
-            <a:avLst/>
-          </a:prstGeom>
-        </p:spPr>
-      </p:pic>
-      <p:pic>
-        <p:nvPicPr>
-          <p:cNvPr id="7" name="Рисунок 6">
-            <a:extLst>
-              <a:ext uri="{FF2B5EF4-FFF2-40B4-BE49-F238E27FC236}">
-                <a16:creationId xmlns:a16="http://schemas.microsoft.com/office/drawing/2014/main" id="{BD28D10D-88A4-4796-03A7-024B8543004E}"/>
-              </a:ext>
-            </a:extLst>
-          </p:cNvPr>
-          <p:cNvPicPr>
-            <a:picLocks noChangeAspect="1"/>
-          </p:cNvPicPr>
-          <p:nvPr/>
-        </p:nvPicPr>
-        <p:blipFill rotWithShape="1">
-          <a:blip r:embed="rId3"/>
-          <a:srcRect t="2610"/>
-          <a:stretch/>
-        </p:blipFill>
-        <p:spPr>
-          <a:xfrm>
-            <a:off x="6368616" y="890586"/>
-            <a:ext cx="5172075" cy="5686425"/>
-          </a:xfrm>
-          <a:prstGeom prst="rect">
-            <a:avLst/>
-          </a:prstGeom>
-        </p:spPr>
-      </p:pic>
-      <p:sp>
-        <p:nvSpPr>
-          <p:cNvPr id="13" name="Заголовок 1">
-            <a:extLst>
-              <a:ext uri="{FF2B5EF4-FFF2-40B4-BE49-F238E27FC236}">
-                <a16:creationId xmlns:a16="http://schemas.microsoft.com/office/drawing/2014/main" id="{B44F761F-9F60-1E9D-F235-88708BF46288}"/>
-              </a:ext>
-            </a:extLst>
-          </p:cNvPr>
-          <p:cNvSpPr>
-            <a:spLocks noGrp="1"/>
-          </p:cNvSpPr>
-          <p:nvPr>
-            <p:ph type="title"/>
-          </p:nvPr>
-        </p:nvSpPr>
-        <p:spPr>
-          <a:xfrm>
-            <a:off x="713232" y="332132"/>
-            <a:ext cx="10671048" cy="768096"/>
-          </a:xfrm>
-        </p:spPr>
-        <p:txBody>
-          <a:bodyPr/>
-          <a:lstStyle/>
-          <a:p>
-            <a:r>
-              <a:rPr lang="ru-RU" sz="3300" dirty="0">
-                <a:latin typeface="Arial" panose="020B0604020202020204" pitchFamily="34" charset="0"/>
-                <a:cs typeface="Arial" panose="020B0604020202020204" pitchFamily="34" charset="0"/>
-              </a:rPr>
-              <a:t>Результаты игры</a:t>
-            </a:r>
-          </a:p>
-        </p:txBody>
-      </p:sp>
-    </p:spTree>
-    <p:extLst>
-      <p:ext uri="{BB962C8B-B14F-4D97-AF65-F5344CB8AC3E}">
-        <p14:creationId xmlns:p14="http://schemas.microsoft.com/office/powerpoint/2010/main" val="4029947808"/>
-      </p:ext>
-    </p:extLst>
-  </p:cSld>
-  <p:clrMapOvr>
-    <a:masterClrMapping/>
-  </p:clrMapOvr>
-</p:sld>
-</file>
-
-<file path=ppt/slides/slide11.xml><?xml version="1.0" encoding="utf-8"?>
-<p:sld xmlns:a="http://schemas.openxmlformats.org/drawingml/2006/main" xmlns:r="http://schemas.openxmlformats.org/officeDocument/2006/relationships" xmlns:p="http://schemas.openxmlformats.org/presentationml/2006/main">
-  <p:cSld>
-    <p:spTree>
-      <p:nvGrpSpPr>
-        <p:cNvPr id="1" name=""/>
-        <p:cNvGrpSpPr/>
-        <p:nvPr/>
-      </p:nvGrpSpPr>
-      <p:grpSpPr>
-        <a:xfrm>
-          <a:off x="0" y="0"/>
-          <a:ext cx="0" cy="0"/>
-          <a:chOff x="0" y="0"/>
-          <a:chExt cx="0" cy="0"/>
-        </a:xfrm>
-      </p:grpSpPr>
       <p:sp>
         <p:nvSpPr>
           <p:cNvPr id="6" name="Рисунок 5">
@@ -24279,6 +24154,13 @@
           </p:nvPr>
         </p:nvSpPr>
         <p:spPr/>
+        <p:txBody>
+          <a:bodyPr/>
+          <a:lstStyle/>
+          <a:p>
+            <a:endParaRPr lang="ru-RU"/>
+          </a:p>
+        </p:txBody>
       </p:sp>
       <p:sp>
         <p:nvSpPr>
@@ -24297,6 +24179,13 @@
           </p:nvPr>
         </p:nvSpPr>
         <p:spPr/>
+        <p:txBody>
+          <a:bodyPr/>
+          <a:lstStyle/>
+          <a:p>
+            <a:endParaRPr lang="ru-RU"/>
+          </a:p>
+        </p:txBody>
       </p:sp>
       <p:sp>
         <p:nvSpPr>
@@ -24315,6 +24204,13 @@
           </p:nvPr>
         </p:nvSpPr>
         <p:spPr/>
+        <p:txBody>
+          <a:bodyPr/>
+          <a:lstStyle/>
+          <a:p>
+            <a:endParaRPr lang="ru-RU"/>
+          </a:p>
+        </p:txBody>
       </p:sp>
       <p:pic>
         <p:nvPicPr>
@@ -25359,6 +25255,132 @@
     <p:extLst>
       <p:ext uri="{BB962C8B-B14F-4D97-AF65-F5344CB8AC3E}">
         <p14:creationId xmlns:p14="http://schemas.microsoft.com/office/powerpoint/2010/main" val="4099639503"/>
+      </p:ext>
+    </p:extLst>
+  </p:cSld>
+  <p:clrMapOvr>
+    <a:masterClrMapping/>
+  </p:clrMapOvr>
+</p:sld>
+</file>
+
+<file path=ppt/slides/slide11.xml><?xml version="1.0" encoding="utf-8"?>
+<p:sld xmlns:a="http://schemas.openxmlformats.org/drawingml/2006/main" xmlns:r="http://schemas.openxmlformats.org/officeDocument/2006/relationships" xmlns:p="http://schemas.openxmlformats.org/presentationml/2006/main">
+  <p:cSld>
+    <p:spTree>
+      <p:nvGrpSpPr>
+        <p:cNvPr id="1" name=""/>
+        <p:cNvGrpSpPr/>
+        <p:nvPr/>
+      </p:nvGrpSpPr>
+      <p:grpSpPr>
+        <a:xfrm>
+          <a:off x="0" y="0"/>
+          <a:ext cx="0" cy="0"/>
+          <a:chOff x="0" y="0"/>
+          <a:chExt cx="0" cy="0"/>
+        </a:xfrm>
+      </p:grpSpPr>
+      <p:sp>
+        <p:nvSpPr>
+          <p:cNvPr id="13" name="Заголовок 1">
+            <a:extLst>
+              <a:ext uri="{FF2B5EF4-FFF2-40B4-BE49-F238E27FC236}">
+                <a16:creationId xmlns:a16="http://schemas.microsoft.com/office/drawing/2014/main" id="{B44F761F-9F60-1E9D-F235-88708BF46288}"/>
+              </a:ext>
+            </a:extLst>
+          </p:cNvPr>
+          <p:cNvSpPr>
+            <a:spLocks noGrp="1"/>
+          </p:cNvSpPr>
+          <p:nvPr>
+            <p:ph type="title"/>
+          </p:nvPr>
+        </p:nvSpPr>
+        <p:spPr>
+          <a:xfrm>
+            <a:off x="713232" y="332132"/>
+            <a:ext cx="10671048" cy="768096"/>
+          </a:xfrm>
+        </p:spPr>
+        <p:txBody>
+          <a:bodyPr/>
+          <a:lstStyle/>
+          <a:p>
+            <a:r>
+              <a:rPr lang="ru-RU" sz="3300" dirty="0">
+                <a:latin typeface="Arial" panose="020B0604020202020204" pitchFamily="34" charset="0"/>
+                <a:cs typeface="Arial" panose="020B0604020202020204" pitchFamily="34" charset="0"/>
+              </a:rPr>
+              <a:t>Результаты игры</a:t>
+            </a:r>
+          </a:p>
+        </p:txBody>
+      </p:sp>
+      <p:pic>
+        <p:nvPicPr>
+          <p:cNvPr id="2" name="Рисунок 1" descr="Изображение выглядит как текст, снимок экрана, программное обеспечение, дисплей&#10;&#10;Автоматически созданное описание">
+            <a:extLst>
+              <a:ext uri="{FF2B5EF4-FFF2-40B4-BE49-F238E27FC236}">
+                <a16:creationId xmlns:a16="http://schemas.microsoft.com/office/drawing/2014/main" id="{77B2FF0F-D291-3083-A041-831FC0D27F46}"/>
+              </a:ext>
+            </a:extLst>
+          </p:cNvPr>
+          <p:cNvPicPr>
+            <a:picLocks noChangeAspect="1"/>
+          </p:cNvPicPr>
+          <p:nvPr/>
+        </p:nvPicPr>
+        <p:blipFill>
+          <a:blip r:embed="rId2"/>
+          <a:stretch>
+            <a:fillRect/>
+          </a:stretch>
+        </p:blipFill>
+        <p:spPr>
+          <a:xfrm>
+            <a:off x="495681" y="890586"/>
+            <a:ext cx="5321325" cy="5686425"/>
+          </a:xfrm>
+          <a:prstGeom prst="rect">
+            <a:avLst/>
+          </a:prstGeom>
+        </p:spPr>
+      </p:pic>
+      <p:pic>
+        <p:nvPicPr>
+          <p:cNvPr id="4" name="Рисунок 3">
+            <a:extLst>
+              <a:ext uri="{FF2B5EF4-FFF2-40B4-BE49-F238E27FC236}">
+                <a16:creationId xmlns:a16="http://schemas.microsoft.com/office/drawing/2014/main" id="{461CDD05-81E8-A714-C83E-7F82038C6AA1}"/>
+              </a:ext>
+            </a:extLst>
+          </p:cNvPr>
+          <p:cNvPicPr>
+            <a:picLocks noChangeAspect="1"/>
+          </p:cNvPicPr>
+          <p:nvPr/>
+        </p:nvPicPr>
+        <p:blipFill>
+          <a:blip r:embed="rId3"/>
+          <a:stretch>
+            <a:fillRect/>
+          </a:stretch>
+        </p:blipFill>
+        <p:spPr>
+          <a:xfrm>
+            <a:off x="6374996" y="843008"/>
+            <a:ext cx="5396710" cy="5734004"/>
+          </a:xfrm>
+          <a:prstGeom prst="rect">
+            <a:avLst/>
+          </a:prstGeom>
+        </p:spPr>
+      </p:pic>
+    </p:spTree>
+    <p:extLst>
+      <p:ext uri="{BB962C8B-B14F-4D97-AF65-F5344CB8AC3E}">
+        <p14:creationId xmlns:p14="http://schemas.microsoft.com/office/powerpoint/2010/main" val="4029947808"/>
       </p:ext>
     </p:extLst>
   </p:cSld>
@@ -27421,6 +27443,13 @@
           </p:nvPr>
         </p:nvSpPr>
         <p:spPr/>
+        <p:txBody>
+          <a:bodyPr/>
+          <a:lstStyle/>
+          <a:p>
+            <a:endParaRPr lang="ru-RU"/>
+          </a:p>
+        </p:txBody>
       </p:sp>
       <p:sp>
         <p:nvSpPr>
@@ -27489,6 +27518,13 @@
           </p:nvPr>
         </p:nvSpPr>
         <p:spPr/>
+        <p:txBody>
+          <a:bodyPr/>
+          <a:lstStyle/>
+          <a:p>
+            <a:endParaRPr lang="ru-RU"/>
+          </a:p>
+        </p:txBody>
       </p:sp>
       <p:sp>
         <p:nvSpPr>
@@ -27532,6 +27568,13 @@
           </p:nvPr>
         </p:nvSpPr>
         <p:spPr/>
+        <p:txBody>
+          <a:bodyPr/>
+          <a:lstStyle/>
+          <a:p>
+            <a:endParaRPr lang="ru-RU"/>
+          </a:p>
+        </p:txBody>
       </p:sp>
       <p:sp>
         <p:nvSpPr>
